--- a/machine_learning_documentation.pptx
+++ b/machine_learning_documentation.pptx
@@ -213,7 +213,7 @@
           <a:p>
             <a:fld id="{2889CC33-4DC3-4EA3-BF17-B2C0410D5897}" type="datetimeFigureOut">
               <a:rPr lang="en-US" smtClean="0"/>
-              <a:t>7/2/2024</a:t>
+              <a:t>7/3/2025</a:t>
             </a:fld>
             <a:endParaRPr lang="en-US"/>
           </a:p>
@@ -627,7 +627,7 @@
           <a:p>
             <a:fld id="{86232D5A-3673-47B3-A2C3-748B4D76FF90}" type="datetime1">
               <a:rPr lang="en-US" smtClean="0"/>
-              <a:t>7/2/2024</a:t>
+              <a:t>7/3/2025</a:t>
             </a:fld>
             <a:endParaRPr lang="en-US"/>
           </a:p>
@@ -825,7 +825,7 @@
           <a:p>
             <a:fld id="{A39854D4-2513-4C32-B4CF-D9EBEA4214E7}" type="datetime1">
               <a:rPr lang="en-US" smtClean="0"/>
-              <a:t>7/2/2024</a:t>
+              <a:t>7/3/2025</a:t>
             </a:fld>
             <a:endParaRPr lang="en-US"/>
           </a:p>
@@ -1033,7 +1033,7 @@
           <a:p>
             <a:fld id="{92740357-926C-4F80-93E0-A5B9BCB423F0}" type="datetime1">
               <a:rPr lang="en-US" smtClean="0"/>
-              <a:t>7/2/2024</a:t>
+              <a:t>7/3/2025</a:t>
             </a:fld>
             <a:endParaRPr lang="en-US"/>
           </a:p>
@@ -1231,7 +1231,7 @@
           <a:p>
             <a:fld id="{C4F3A8FD-22CB-48B1-8C99-98CFEF3B1BEC}" type="datetime1">
               <a:rPr lang="en-US" smtClean="0"/>
-              <a:t>7/2/2024</a:t>
+              <a:t>7/3/2025</a:t>
             </a:fld>
             <a:endParaRPr lang="en-US"/>
           </a:p>
@@ -1523,7 +1523,7 @@
           <a:p>
             <a:fld id="{E6DB9C80-8504-41B5-A191-11747023879E}" type="datetime1">
               <a:rPr lang="en-US" smtClean="0"/>
-              <a:t>7/2/2024</a:t>
+              <a:t>7/3/2025</a:t>
             </a:fld>
             <a:endParaRPr lang="en-US"/>
           </a:p>
@@ -1788,7 +1788,7 @@
           <a:p>
             <a:fld id="{6458F869-BDEC-454C-A787-E150B04B6762}" type="datetime1">
               <a:rPr lang="en-US" smtClean="0"/>
-              <a:t>7/2/2024</a:t>
+              <a:t>7/3/2025</a:t>
             </a:fld>
             <a:endParaRPr lang="en-US"/>
           </a:p>
@@ -2200,7 +2200,7 @@
           <a:p>
             <a:fld id="{DC6479C4-C2D0-4505-AFD5-806F522F58E1}" type="datetime1">
               <a:rPr lang="en-US" smtClean="0"/>
-              <a:t>7/2/2024</a:t>
+              <a:t>7/3/2025</a:t>
             </a:fld>
             <a:endParaRPr lang="en-US"/>
           </a:p>
@@ -2341,7 +2341,7 @@
           <a:p>
             <a:fld id="{3F00A543-C632-482B-BC36-0AEA9F24D75D}" type="datetime1">
               <a:rPr lang="en-US" smtClean="0"/>
-              <a:t>7/2/2024</a:t>
+              <a:t>7/3/2025</a:t>
             </a:fld>
             <a:endParaRPr lang="en-US"/>
           </a:p>
@@ -2454,7 +2454,7 @@
           <a:p>
             <a:fld id="{60B542C3-BD83-40B1-A256-6609330B88EA}" type="datetime1">
               <a:rPr lang="en-US" smtClean="0"/>
-              <a:t>7/2/2024</a:t>
+              <a:t>7/3/2025</a:t>
             </a:fld>
             <a:endParaRPr lang="en-US"/>
           </a:p>
@@ -2765,7 +2765,7 @@
           <a:p>
             <a:fld id="{8AC20A43-712C-47D1-BFB0-34C6D9010600}" type="datetime1">
               <a:rPr lang="en-US" smtClean="0"/>
-              <a:t>7/2/2024</a:t>
+              <a:t>7/3/2025</a:t>
             </a:fld>
             <a:endParaRPr lang="en-US"/>
           </a:p>
@@ -3053,7 +3053,7 @@
           <a:p>
             <a:fld id="{1B084E21-77C0-4C14-B757-A410C814BE9F}" type="datetime1">
               <a:rPr lang="en-US" smtClean="0"/>
-              <a:t>7/2/2024</a:t>
+              <a:t>7/3/2025</a:t>
             </a:fld>
             <a:endParaRPr lang="en-US"/>
           </a:p>
@@ -3294,7 +3294,7 @@
           <a:p>
             <a:fld id="{7B0366FF-23B7-485A-8687-5A4172CD88D5}" type="datetime1">
               <a:rPr lang="en-US" smtClean="0"/>
-              <a:t>7/2/2024</a:t>
+              <a:t>7/3/2025</a:t>
             </a:fld>
             <a:endParaRPr lang="en-US"/>
           </a:p>
@@ -3777,8 +3777,8 @@
         </p:nvSpPr>
         <p:spPr>
           <a:xfrm>
-            <a:off x="114300" y="2495552"/>
-            <a:ext cx="11944350" cy="3571874"/>
+            <a:off x="177800" y="2597152"/>
+            <a:ext cx="11836400" cy="3486148"/>
           </a:xfrm>
         </p:spPr>
         <p:txBody>
@@ -3847,6 +3847,13 @@
             <a:r>
               <a:rPr lang="en-US" sz="4000" b="1" i="1" dirty="0"/>
               <a:t>                Project Title: Coffee Market Price Prediction</a:t>
+            </a:r>
+            <a:br>
+              <a:rPr lang="en-US" sz="4000" b="1" i="1" dirty="0"/>
+            </a:br>
+            <a:r>
+              <a:rPr lang="en-US" sz="4000" b="1" i="1" dirty="0"/>
+              <a:t>                        Prepared By: Yosief Dagnachew</a:t>
             </a:r>
           </a:p>
         </p:txBody>
